--- a/analysis/Mapping FOAs.pptx
+++ b/analysis/Mapping FOAs.pptx
@@ -113,6 +113,11 @@
       </a:defRPr>
     </a:lvl9pPr>
   </p:defaultTextStyle>
+  <p:extLst>
+    <p:ext uri="{EFAFB233-063F-42B5-8137-9DF3F51BA10A}">
+      <p15:sldGuideLst xmlns:p15="http://schemas.microsoft.com/office/powerpoint/2012/main"/>
+    </p:ext>
+  </p:extLst>
 </p:presentation>
 </file>
 
@@ -247,7 +252,7 @@
           <a:p>
             <a:fld id="{2B0B727D-A464-4B61-89F1-079341B5A8B4}" type="datetimeFigureOut">
               <a:rPr lang="en-GB" smtClean="0"/>
-              <a:t>29/02/2024</a:t>
+              <a:t>06/03/2024</a:t>
             </a:fld>
             <a:endParaRPr lang="en-GB"/>
           </a:p>
@@ -417,7 +422,7 @@
           <a:p>
             <a:fld id="{2B0B727D-A464-4B61-89F1-079341B5A8B4}" type="datetimeFigureOut">
               <a:rPr lang="en-GB" smtClean="0"/>
-              <a:t>29/02/2024</a:t>
+              <a:t>06/03/2024</a:t>
             </a:fld>
             <a:endParaRPr lang="en-GB"/>
           </a:p>
@@ -597,7 +602,7 @@
           <a:p>
             <a:fld id="{2B0B727D-A464-4B61-89F1-079341B5A8B4}" type="datetimeFigureOut">
               <a:rPr lang="en-GB" smtClean="0"/>
-              <a:t>29/02/2024</a:t>
+              <a:t>06/03/2024</a:t>
             </a:fld>
             <a:endParaRPr lang="en-GB"/>
           </a:p>
@@ -767,7 +772,7 @@
           <a:p>
             <a:fld id="{2B0B727D-A464-4B61-89F1-079341B5A8B4}" type="datetimeFigureOut">
               <a:rPr lang="en-GB" smtClean="0"/>
-              <a:t>29/02/2024</a:t>
+              <a:t>06/03/2024</a:t>
             </a:fld>
             <a:endParaRPr lang="en-GB"/>
           </a:p>
@@ -1013,7 +1018,7 @@
           <a:p>
             <a:fld id="{2B0B727D-A464-4B61-89F1-079341B5A8B4}" type="datetimeFigureOut">
               <a:rPr lang="en-GB" smtClean="0"/>
-              <a:t>29/02/2024</a:t>
+              <a:t>06/03/2024</a:t>
             </a:fld>
             <a:endParaRPr lang="en-GB"/>
           </a:p>
@@ -1245,7 +1250,7 @@
           <a:p>
             <a:fld id="{2B0B727D-A464-4B61-89F1-079341B5A8B4}" type="datetimeFigureOut">
               <a:rPr lang="en-GB" smtClean="0"/>
-              <a:t>29/02/2024</a:t>
+              <a:t>06/03/2024</a:t>
             </a:fld>
             <a:endParaRPr lang="en-GB"/>
           </a:p>
@@ -1612,7 +1617,7 @@
           <a:p>
             <a:fld id="{2B0B727D-A464-4B61-89F1-079341B5A8B4}" type="datetimeFigureOut">
               <a:rPr lang="en-GB" smtClean="0"/>
-              <a:t>29/02/2024</a:t>
+              <a:t>06/03/2024</a:t>
             </a:fld>
             <a:endParaRPr lang="en-GB"/>
           </a:p>
@@ -1730,7 +1735,7 @@
           <a:p>
             <a:fld id="{2B0B727D-A464-4B61-89F1-079341B5A8B4}" type="datetimeFigureOut">
               <a:rPr lang="en-GB" smtClean="0"/>
-              <a:t>29/02/2024</a:t>
+              <a:t>06/03/2024</a:t>
             </a:fld>
             <a:endParaRPr lang="en-GB"/>
           </a:p>
@@ -1825,7 +1830,7 @@
           <a:p>
             <a:fld id="{2B0B727D-A464-4B61-89F1-079341B5A8B4}" type="datetimeFigureOut">
               <a:rPr lang="en-GB" smtClean="0"/>
-              <a:t>29/02/2024</a:t>
+              <a:t>06/03/2024</a:t>
             </a:fld>
             <a:endParaRPr lang="en-GB"/>
           </a:p>
@@ -2102,7 +2107,7 @@
           <a:p>
             <a:fld id="{2B0B727D-A464-4B61-89F1-079341B5A8B4}" type="datetimeFigureOut">
               <a:rPr lang="en-GB" smtClean="0"/>
-              <a:t>29/02/2024</a:t>
+              <a:t>06/03/2024</a:t>
             </a:fld>
             <a:endParaRPr lang="en-GB"/>
           </a:p>
@@ -2359,7 +2364,7 @@
           <a:p>
             <a:fld id="{2B0B727D-A464-4B61-89F1-079341B5A8B4}" type="datetimeFigureOut">
               <a:rPr lang="en-GB" smtClean="0"/>
-              <a:t>29/02/2024</a:t>
+              <a:t>06/03/2024</a:t>
             </a:fld>
             <a:endParaRPr lang="en-GB"/>
           </a:p>
@@ -2572,7 +2577,7 @@
           <a:p>
             <a:fld id="{2B0B727D-A464-4B61-89F1-079341B5A8B4}" type="datetimeFigureOut">
               <a:rPr lang="en-GB" smtClean="0"/>
-              <a:t>29/02/2024</a:t>
+              <a:t>06/03/2024</a:t>
             </a:fld>
             <a:endParaRPr lang="en-GB"/>
           </a:p>
@@ -4066,7 +4071,7 @@
             </a:pPr>
             <a:r>
               <a:rPr lang="en-150" sz="1800" dirty="0"/>
-              <a:t>25 FOAs in NLO1</a:t>
+              <a:t>23 FOAs in NLO1</a:t>
             </a:r>
             <a:endParaRPr lang="en-GB" sz="1800" dirty="0"/>
           </a:p>
@@ -4074,10 +4079,10 @@
       </p:sp>
       <p:pic>
         <p:nvPicPr>
-          <p:cNvPr id="4" name="Picture 3">
+          <p:cNvPr id="5" name="Picture 4">
             <a:extLst>
               <a:ext uri="{FF2B5EF4-FFF2-40B4-BE49-F238E27FC236}">
-                <a16:creationId xmlns:a16="http://schemas.microsoft.com/office/drawing/2014/main" id="{4FA57316-F416-206A-B130-B15D625B8178}"/>
+                <a16:creationId xmlns:a16="http://schemas.microsoft.com/office/drawing/2014/main" id="{0E9DE757-A8ED-B354-C076-E420AF9969DC}"/>
               </a:ext>
             </a:extLst>
           </p:cNvPr>
@@ -4094,8 +4099,8 @@
         </p:blipFill>
         <p:spPr>
           <a:xfrm>
-            <a:off x="3933495" y="3589200"/>
-            <a:ext cx="4036809" cy="3268800"/>
+            <a:off x="4514107" y="3547311"/>
+            <a:ext cx="4001243" cy="3240000"/>
           </a:xfrm>
           <a:prstGeom prst="rect">
             <a:avLst/>
@@ -4155,7 +4160,7 @@
           <a:p>
             <a:r>
               <a:rPr lang="en-150" dirty="0"/>
-              <a:t>Use of FOAs in NLO2</a:t>
+              <a:t>Use of FOAs in CP</a:t>
             </a:r>
             <a:endParaRPr lang="en-GB" dirty="0"/>
           </a:p>
@@ -4189,7 +4194,7 @@
             </a:pPr>
             <a:r>
               <a:rPr lang="en-150" sz="1800" dirty="0"/>
-              <a:t>As for NLO1, in NLO2 the questions related to FOAs were phrased referring to the improvements expected in each FOA. </a:t>
+              <a:t>As for NLO1, in the CP’s the questions related to FOAs were phrased referring to the improvements expected in each FOA. </a:t>
             </a:r>
           </a:p>
           <a:p>
